--- a/Parakh project ppt.pptx
+++ b/Parakh project ppt.pptx
@@ -134,8 +134,8 @@
 <pc:chgInfo xmlns:a="http://schemas.openxmlformats.org/drawingml/2006/main" xmlns:r="http://schemas.openxmlformats.org/officeDocument/2006/relationships" xmlns:ac="http://schemas.microsoft.com/office/drawing/2013/main/command" xmlns:pc="http://schemas.microsoft.com/office/powerpoint/2013/main/command">
   <pc:docChgLst>
     <pc:chgData name="Swati Gupta" userId="0d1f4b1211df4d8b" providerId="LiveId" clId="{24C4D352-D6A8-41B2-BE8C-CDDB5A5723C1}"/>
-    <pc:docChg chg="modSld">
-      <pc:chgData name="Swati Gupta" userId="0d1f4b1211df4d8b" providerId="LiveId" clId="{24C4D352-D6A8-41B2-BE8C-CDDB5A5723C1}" dt="2025-08-21T14:01:06.444" v="2" actId="20577"/>
+    <pc:docChg chg="undo custSel modSld">
+      <pc:chgData name="Swati Gupta" userId="0d1f4b1211df4d8b" providerId="LiveId" clId="{24C4D352-D6A8-41B2-BE8C-CDDB5A5723C1}" dt="2025-08-21T16:44:22.432" v="34" actId="20577"/>
       <pc:docMkLst>
         <pc:docMk/>
       </pc:docMkLst>
@@ -166,6 +166,21 @@
             <pc:docMk/>
             <pc:sldMk cId="0" sldId="259"/>
             <ac:spMk id="2" creationId="{00000000-0000-0000-0000-000000000000}"/>
+          </ac:spMkLst>
+        </pc:spChg>
+      </pc:sldChg>
+      <pc:sldChg chg="modSp mod">
+        <pc:chgData name="Swati Gupta" userId="0d1f4b1211df4d8b" providerId="LiveId" clId="{24C4D352-D6A8-41B2-BE8C-CDDB5A5723C1}" dt="2025-08-21T16:44:22.432" v="34" actId="20577"/>
+        <pc:sldMkLst>
+          <pc:docMk/>
+          <pc:sldMk cId="0" sldId="261"/>
+        </pc:sldMkLst>
+        <pc:spChg chg="mod">
+          <ac:chgData name="Swati Gupta" userId="0d1f4b1211df4d8b" providerId="LiveId" clId="{24C4D352-D6A8-41B2-BE8C-CDDB5A5723C1}" dt="2025-08-21T16:44:22.432" v="34" actId="20577"/>
+          <ac:spMkLst>
+            <pc:docMk/>
+            <pc:sldMk cId="0" sldId="261"/>
+            <ac:spMk id="3" creationId="{00000000-0000-0000-0000-000000000000}"/>
           </ac:spMkLst>
         </pc:spChg>
       </pc:sldChg>
@@ -6737,7 +6752,7 @@
             </a:pPr>
             <a:r>
               <a:rPr lang="en-IN" dirty="0"/>
-              <a:t>On the Basis of gender, South outperformed all the zones.</a:t>
+              <a:t>On the Basis of gender, North outperformed all the zones.</a:t>
             </a:r>
           </a:p>
           <a:p>
@@ -6763,7 +6778,19 @@
             </a:pPr>
             <a:r>
               <a:rPr lang="en-IN" dirty="0"/>
-              <a:t>On the basis of school management, South performed the best.</a:t>
+              <a:t>On the basis of school </a:t>
+            </a:r>
+            <a:r>
+              <a:rPr lang="en-IN" dirty="0" err="1"/>
+              <a:t>management,North</a:t>
+            </a:r>
+            <a:r>
+              <a:rPr lang="en-IN"/>
+              <a:t> performed </a:t>
+            </a:r>
+            <a:r>
+              <a:rPr lang="en-IN" dirty="0"/>
+              <a:t>the best.</a:t>
             </a:r>
           </a:p>
           <a:p>
